--- a/presentation.pptx
+++ b/presentation.pptx
@@ -5229,6 +5229,110 @@
           </a:p>
         </p:txBody>
       </p:sp>
+      <p:sp>
+        <p:nvSpPr>
+          <p:cNvPr id="7" name="Rectangle 6"/>
+          <p:cNvSpPr/>
+          <p:nvPr/>
+        </p:nvSpPr>
+        <p:spPr>
+          <a:xfrm>
+            <a:off x="1066800" y="834570"/>
+            <a:ext cx="7010400" cy="6023429"/>
+          </a:xfrm>
+          <a:prstGeom prst="rect">
+            <a:avLst/>
+          </a:prstGeom>
+          <a:blipFill dpi="0" rotWithShape="1">
+            <a:blip r:embed="rId3">
+              <a:alphaModFix amt="14000"/>
+            </a:blip>
+            <a:srcRect/>
+            <a:stretch>
+              <a:fillRect/>
+            </a:stretch>
+          </a:blipFill>
+          <a:ln>
+            <a:noFill/>
+          </a:ln>
+        </p:spPr>
+        <p:style>
+          <a:lnRef idx="2">
+            <a:schemeClr val="accent1">
+              <a:shade val="50000"/>
+            </a:schemeClr>
+          </a:lnRef>
+          <a:fillRef idx="1">
+            <a:schemeClr val="accent1"/>
+          </a:fillRef>
+          <a:effectRef idx="0">
+            <a:schemeClr val="accent1"/>
+          </a:effectRef>
+          <a:fontRef idx="minor">
+            <a:schemeClr val="lt1"/>
+          </a:fontRef>
+        </p:style>
+        <p:txBody>
+          <a:bodyPr rtlCol="0" anchor="ctr"/>
+          <a:lstStyle/>
+          <a:p>
+            <a:pPr algn="ctr"/>
+            <a:endParaRPr lang="en-US"/>
+          </a:p>
+        </p:txBody>
+      </p:sp>
+      <p:sp>
+        <p:nvSpPr>
+          <p:cNvPr id="9" name="Rectangle 8"/>
+          <p:cNvSpPr/>
+          <p:nvPr/>
+        </p:nvSpPr>
+        <p:spPr>
+          <a:xfrm>
+            <a:off x="-7086600" y="159657"/>
+            <a:ext cx="7358743" cy="6858000"/>
+          </a:xfrm>
+          <a:prstGeom prst="rect">
+            <a:avLst/>
+          </a:prstGeom>
+          <a:blipFill dpi="0" rotWithShape="1">
+            <a:blip r:embed="rId4">
+              <a:alphaModFix amt="14000"/>
+            </a:blip>
+            <a:srcRect/>
+            <a:stretch>
+              <a:fillRect/>
+            </a:stretch>
+          </a:blipFill>
+          <a:ln>
+            <a:noFill/>
+          </a:ln>
+        </p:spPr>
+        <p:style>
+          <a:lnRef idx="2">
+            <a:schemeClr val="accent1">
+              <a:shade val="50000"/>
+            </a:schemeClr>
+          </a:lnRef>
+          <a:fillRef idx="1">
+            <a:schemeClr val="accent1"/>
+          </a:fillRef>
+          <a:effectRef idx="0">
+            <a:schemeClr val="accent1"/>
+          </a:effectRef>
+          <a:fontRef idx="minor">
+            <a:schemeClr val="lt1"/>
+          </a:fontRef>
+        </p:style>
+        <p:txBody>
+          <a:bodyPr rtlCol="0" anchor="ctr"/>
+          <a:lstStyle/>
+          <a:p>
+            <a:pPr algn="ctr"/>
+            <a:endParaRPr lang="en-US"/>
+          </a:p>
+        </p:txBody>
+      </p:sp>
     </p:spTree>
     <p:extLst>
       <p:ext uri="{BB962C8B-B14F-4D97-AF65-F5344CB8AC3E}">

--- a/presentation.pptx
+++ b/presentation.pptx
@@ -9,10 +9,9 @@
     <p:sldId id="258" r:id="rId3"/>
     <p:sldId id="259" r:id="rId4"/>
     <p:sldId id="260" r:id="rId5"/>
-    <p:sldId id="267" r:id="rId6"/>
-    <p:sldId id="262" r:id="rId7"/>
-    <p:sldId id="265" r:id="rId8"/>
-    <p:sldId id="266" r:id="rId9"/>
+    <p:sldId id="262" r:id="rId6"/>
+    <p:sldId id="265" r:id="rId7"/>
+    <p:sldId id="266" r:id="rId8"/>
   </p:sldIdLst>
   <p:sldSz cx="9144000" cy="6858000" type="screen4x3"/>
   <p:notesSz cx="6858000" cy="9144000"/>
@@ -3250,34 +3249,6 @@
       </p:sp>
       <p:sp>
         <p:nvSpPr>
-          <p:cNvPr id="6" name="Title 1"/>
-          <p:cNvSpPr>
-            <a:spLocks noGrp="1"/>
-          </p:cNvSpPr>
-          <p:nvPr>
-            <p:ph type="title"/>
-          </p:nvPr>
-        </p:nvSpPr>
-        <p:spPr>
-          <a:xfrm>
-            <a:off x="457200" y="533400"/>
-            <a:ext cx="8229600" cy="1143000"/>
-          </a:xfrm>
-        </p:spPr>
-        <p:txBody>
-          <a:bodyPr/>
-          <a:lstStyle/>
-          <a:p>
-            <a:r>
-              <a:rPr lang="en-US" dirty="0" smtClean="0"/>
-              <a:t>Gig Compass</a:t>
-            </a:r>
-            <a:endParaRPr lang="en-US" dirty="0"/>
-          </a:p>
-        </p:txBody>
-      </p:sp>
-      <p:sp>
-        <p:nvSpPr>
           <p:cNvPr id="7" name="TextBox 6"/>
           <p:cNvSpPr txBox="1"/>
           <p:nvPr/>
@@ -3301,11 +3272,7 @@
             <a:pPr algn="ctr"/>
             <a:r>
               <a:rPr lang="en-US" sz="2800" dirty="0" smtClean="0"/>
-              <a:t>Implemented by: </a:t>
-            </a:r>
-            <a:r>
-              <a:rPr lang="en-US" sz="2800" dirty="0" smtClean="0"/>
-              <a:t>Lisa </a:t>
+              <a:t>Implemented by: Lisa </a:t>
             </a:r>
             <a:r>
               <a:rPr lang="en-US" sz="2800" dirty="0" err="1" smtClean="0"/>
@@ -3454,7 +3421,12 @@
             <p:ph idx="1"/>
           </p:nvPr>
         </p:nvSpPr>
-        <p:spPr/>
+        <p:spPr>
+          <a:xfrm>
+            <a:off x="457200" y="2484437"/>
+            <a:ext cx="8229600" cy="4525963"/>
+          </a:xfrm>
+        </p:spPr>
         <p:txBody>
           <a:bodyPr/>
           <a:lstStyle/>
@@ -3480,8 +3452,13 @@
             </a:r>
             <a:r>
               <a:rPr lang="en-US" dirty="0" smtClean="0"/>
-              <a:t>aps APIs</a:t>
-            </a:r>
+              <a:t>aps </a:t>
+            </a:r>
+            <a:r>
+              <a:rPr lang="en-US" dirty="0" smtClean="0"/>
+              <a:t>APIs.</a:t>
+            </a:r>
+            <a:endParaRPr lang="en-US" dirty="0" smtClean="0"/>
           </a:p>
           <a:p>
             <a:pPr marL="0" indent="0">
@@ -3513,58 +3490,6 @@
           </a:prstGeom>
           <a:blipFill dpi="0" rotWithShape="1">
             <a:blip r:embed="rId3">
-              <a:alphaModFix amt="15000"/>
-            </a:blip>
-            <a:srcRect/>
-            <a:stretch>
-              <a:fillRect/>
-            </a:stretch>
-          </a:blipFill>
-          <a:ln>
-            <a:noFill/>
-          </a:ln>
-        </p:spPr>
-        <p:style>
-          <a:lnRef idx="2">
-            <a:schemeClr val="accent1">
-              <a:shade val="50000"/>
-            </a:schemeClr>
-          </a:lnRef>
-          <a:fillRef idx="1">
-            <a:schemeClr val="accent1"/>
-          </a:fillRef>
-          <a:effectRef idx="0">
-            <a:schemeClr val="accent1"/>
-          </a:effectRef>
-          <a:fontRef idx="minor">
-            <a:schemeClr val="lt1"/>
-          </a:fontRef>
-        </p:style>
-        <p:txBody>
-          <a:bodyPr rtlCol="0" anchor="ctr"/>
-          <a:lstStyle/>
-          <a:p>
-            <a:pPr algn="ctr"/>
-            <a:endParaRPr lang="en-US"/>
-          </a:p>
-        </p:txBody>
-      </p:sp>
-      <p:sp>
-        <p:nvSpPr>
-          <p:cNvPr id="7" name="Rectangle 6"/>
-          <p:cNvSpPr/>
-          <p:nvPr/>
-        </p:nvSpPr>
-        <p:spPr>
-          <a:xfrm>
-            <a:off x="-6248400" y="1037773"/>
-            <a:ext cx="5943600" cy="5257799"/>
-          </a:xfrm>
-          <a:prstGeom prst="rect">
-            <a:avLst/>
-          </a:prstGeom>
-          <a:blipFill dpi="0" rotWithShape="1">
-            <a:blip r:embed="rId4">
               <a:alphaModFix amt="15000"/>
             </a:blip>
             <a:srcRect/>
@@ -3766,7 +3691,12 @@
             <p:ph idx="1"/>
           </p:nvPr>
         </p:nvSpPr>
-        <p:spPr/>
+        <p:spPr>
+          <a:xfrm>
+            <a:off x="457200" y="2636837"/>
+            <a:ext cx="8229600" cy="4525963"/>
+          </a:xfrm>
+        </p:spPr>
         <p:txBody>
           <a:bodyPr/>
           <a:lstStyle/>
@@ -4188,7 +4118,7 @@
         </p:nvSpPr>
         <p:spPr>
           <a:xfrm>
-            <a:off x="457200" y="1600200"/>
+            <a:off x="457200" y="1447800"/>
             <a:ext cx="8229600" cy="5105400"/>
           </a:xfrm>
         </p:spPr>
@@ -4233,7 +4163,19 @@
             </a:pPr>
             <a:r>
               <a:rPr lang="en-US" dirty="0" smtClean="0"/>
-              <a:t>Using local storage, application will apply the latest search parameters upon page loading</a:t>
+              <a:t>We used local </a:t>
+            </a:r>
+            <a:r>
+              <a:rPr lang="en-US" dirty="0" smtClean="0"/>
+              <a:t>storage, </a:t>
+            </a:r>
+            <a:r>
+              <a:rPr lang="en-US" dirty="0" smtClean="0"/>
+              <a:t>so that the application will </a:t>
+            </a:r>
+            <a:r>
+              <a:rPr lang="en-US" dirty="0" smtClean="0"/>
+              <a:t>apply the latest search parameters upon page loading</a:t>
             </a:r>
           </a:p>
           <a:p>
@@ -4349,313 +4291,6 @@
 </file>
 
 <file path=ppt/slides/slide5.xml><?xml version="1.0" encoding="utf-8"?>
-<p:sld xmlns:a="http://schemas.openxmlformats.org/drawingml/2006/main" xmlns:r="http://schemas.openxmlformats.org/officeDocument/2006/relationships" xmlns:p="http://schemas.openxmlformats.org/presentationml/2006/main">
-  <p:cSld>
-    <p:spTree>
-      <p:nvGrpSpPr>
-        <p:cNvPr id="1" name=""/>
-        <p:cNvGrpSpPr/>
-        <p:nvPr/>
-      </p:nvGrpSpPr>
-      <p:grpSpPr>
-        <a:xfrm>
-          <a:off x="0" y="0"/>
-          <a:ext cx="0" cy="0"/>
-          <a:chOff x="0" y="0"/>
-          <a:chExt cx="0" cy="0"/>
-        </a:xfrm>
-      </p:grpSpPr>
-      <p:pic>
-        <p:nvPicPr>
-          <p:cNvPr id="3080" name="Picture 8" descr="Image result for subtle background"/>
-          <p:cNvPicPr>
-            <a:picLocks noChangeAspect="1" noChangeArrowheads="1"/>
-          </p:cNvPicPr>
-          <p:nvPr/>
-        </p:nvPicPr>
-        <p:blipFill>
-          <a:blip r:embed="rId2">
-            <a:extLst>
-              <a:ext uri="{28A0092B-C50C-407E-A947-70E740481C1C}">
-                <a14:useLocalDpi xmlns:a14="http://schemas.microsoft.com/office/drawing/2010/main" val="0"/>
-              </a:ext>
-            </a:extLst>
-          </a:blip>
-          <a:srcRect/>
-          <a:stretch>
-            <a:fillRect/>
-          </a:stretch>
-        </p:blipFill>
-        <p:spPr bwMode="auto">
-          <a:xfrm>
-            <a:off x="-152400" y="1"/>
-            <a:ext cx="9633585" cy="6858000"/>
-          </a:xfrm>
-          <a:prstGeom prst="rect">
-            <a:avLst/>
-          </a:prstGeom>
-          <a:noFill/>
-          <a:extLst>
-            <a:ext uri="{909E8E84-426E-40DD-AFC4-6F175D3DCCD1}">
-              <a14:hiddenFill xmlns:a14="http://schemas.microsoft.com/office/drawing/2010/main">
-                <a:solidFill>
-                  <a:srgbClr val="FFFFFF"/>
-                </a:solidFill>
-              </a14:hiddenFill>
-            </a:ext>
-          </a:extLst>
-        </p:spPr>
-      </p:pic>
-      <p:sp>
-        <p:nvSpPr>
-          <p:cNvPr id="12" name="Rectangle 11"/>
-          <p:cNvSpPr/>
-          <p:nvPr/>
-        </p:nvSpPr>
-        <p:spPr>
-          <a:xfrm>
-            <a:off x="-145143" y="36967"/>
-            <a:ext cx="9633585" cy="6850063"/>
-          </a:xfrm>
-          <a:prstGeom prst="rect">
-            <a:avLst/>
-          </a:prstGeom>
-          <a:blipFill dpi="0" rotWithShape="1">
-            <a:blip r:embed="rId3">
-              <a:alphaModFix amt="18000"/>
-            </a:blip>
-            <a:srcRect/>
-            <a:stretch>
-              <a:fillRect/>
-            </a:stretch>
-          </a:blipFill>
-          <a:ln>
-            <a:noFill/>
-          </a:ln>
-        </p:spPr>
-        <p:style>
-          <a:lnRef idx="2">
-            <a:schemeClr val="accent1">
-              <a:shade val="50000"/>
-            </a:schemeClr>
-          </a:lnRef>
-          <a:fillRef idx="1">
-            <a:schemeClr val="accent1"/>
-          </a:fillRef>
-          <a:effectRef idx="0">
-            <a:schemeClr val="accent1"/>
-          </a:effectRef>
-          <a:fontRef idx="minor">
-            <a:schemeClr val="lt1"/>
-          </a:fontRef>
-        </p:style>
-        <p:txBody>
-          <a:bodyPr rtlCol="0" anchor="ctr"/>
-          <a:lstStyle/>
-          <a:p>
-            <a:pPr algn="ctr"/>
-            <a:endParaRPr lang="en-US"/>
-          </a:p>
-        </p:txBody>
-      </p:sp>
-      <p:sp>
-        <p:nvSpPr>
-          <p:cNvPr id="2" name="Title 1"/>
-          <p:cNvSpPr>
-            <a:spLocks noGrp="1"/>
-          </p:cNvSpPr>
-          <p:nvPr>
-            <p:ph type="title"/>
-          </p:nvPr>
-        </p:nvSpPr>
-        <p:spPr/>
-        <p:txBody>
-          <a:bodyPr>
-            <a:normAutofit/>
-          </a:bodyPr>
-          <a:lstStyle/>
-          <a:p>
-            <a:r>
-              <a:rPr lang="en-US" dirty="0" smtClean="0"/>
-              <a:t>Design Process</a:t>
-            </a:r>
-            <a:endParaRPr lang="en-US" dirty="0"/>
-          </a:p>
-        </p:txBody>
-      </p:sp>
-      <p:sp>
-        <p:nvSpPr>
-          <p:cNvPr id="3" name="Content Placeholder 2"/>
-          <p:cNvSpPr>
-            <a:spLocks noGrp="1"/>
-          </p:cNvSpPr>
-          <p:nvPr>
-            <p:ph idx="1"/>
-          </p:nvPr>
-        </p:nvSpPr>
-        <p:spPr>
-          <a:xfrm>
-            <a:off x="457200" y="1600200"/>
-            <a:ext cx="8229600" cy="5105400"/>
-          </a:xfrm>
-        </p:spPr>
-        <p:txBody>
-          <a:bodyPr>
-            <a:normAutofit fontScale="70000" lnSpcReduction="20000"/>
-          </a:bodyPr>
-          <a:lstStyle/>
-          <a:p>
-            <a:pPr marL="0" indent="0">
-              <a:buNone/>
-            </a:pPr>
-            <a:r>
-              <a:rPr lang="en-US" dirty="0" smtClean="0"/>
-              <a:t>We used a Bootstrap row-column grid layout to display the events and map side-by-side</a:t>
-            </a:r>
-          </a:p>
-          <a:p>
-            <a:pPr marL="0" indent="0">
-              <a:buNone/>
-            </a:pPr>
-            <a:endParaRPr lang="en-US" dirty="0"/>
-          </a:p>
-          <a:p>
-            <a:pPr marL="0" indent="0">
-              <a:buNone/>
-            </a:pPr>
-            <a:r>
-              <a:rPr lang="en-US" dirty="0" smtClean="0"/>
-              <a:t>We added materialize modals for the search dropdown-menus</a:t>
-            </a:r>
-          </a:p>
-          <a:p>
-            <a:pPr marL="0" indent="0">
-              <a:buNone/>
-            </a:pPr>
-            <a:endParaRPr lang="en-US" dirty="0"/>
-          </a:p>
-          <a:p>
-            <a:pPr marL="0" indent="0">
-              <a:buNone/>
-            </a:pPr>
-            <a:r>
-              <a:rPr lang="en-US" dirty="0" smtClean="0"/>
-              <a:t>Using local storage, application will apply the latest search parameters upon page loading</a:t>
-            </a:r>
-          </a:p>
-          <a:p>
-            <a:pPr marL="0" indent="0">
-              <a:buNone/>
-            </a:pPr>
-            <a:endParaRPr lang="en-US" dirty="0"/>
-          </a:p>
-          <a:p>
-            <a:pPr marL="0" indent="0">
-              <a:buNone/>
-            </a:pPr>
-            <a:r>
-              <a:rPr lang="en-US" dirty="0" smtClean="0"/>
-              <a:t>We designed it to show pages of 10 events each, with pagination bar</a:t>
-            </a:r>
-          </a:p>
-          <a:p>
-            <a:pPr marL="0" indent="0">
-              <a:buNone/>
-            </a:pPr>
-            <a:endParaRPr lang="en-US" dirty="0" smtClean="0"/>
-          </a:p>
-          <a:p>
-            <a:pPr marL="0" indent="0">
-              <a:buNone/>
-            </a:pPr>
-            <a:r>
-              <a:rPr lang="en-US" dirty="0" smtClean="0"/>
-              <a:t>We designed the interactive map to display markers for all locations on the page</a:t>
-            </a:r>
-          </a:p>
-          <a:p>
-            <a:pPr marL="0" indent="0">
-              <a:buNone/>
-            </a:pPr>
-            <a:endParaRPr lang="en-US" dirty="0"/>
-          </a:p>
-          <a:p>
-            <a:pPr marL="0" indent="0">
-              <a:buNone/>
-            </a:pPr>
-            <a:r>
-              <a:rPr lang="en-US" dirty="0" smtClean="0"/>
-              <a:t>We added event pop-ups to show more information and to easily scroll through the different events</a:t>
-            </a:r>
-          </a:p>
-          <a:p>
-            <a:pPr marL="0" indent="0">
-              <a:buNone/>
-            </a:pPr>
-            <a:endParaRPr lang="en-US" dirty="0"/>
-          </a:p>
-        </p:txBody>
-      </p:sp>
-      <p:sp>
-        <p:nvSpPr>
-          <p:cNvPr id="4" name="AutoShape 2" descr="Image result for line background"/>
-          <p:cNvSpPr>
-            <a:spLocks noChangeAspect="1" noChangeArrowheads="1"/>
-          </p:cNvSpPr>
-          <p:nvPr/>
-        </p:nvSpPr>
-        <p:spPr bwMode="auto">
-          <a:xfrm>
-            <a:off x="155575" y="-144463"/>
-            <a:ext cx="304800" cy="304801"/>
-          </a:xfrm>
-          <a:prstGeom prst="rect">
-            <a:avLst/>
-          </a:prstGeom>
-          <a:noFill/>
-          <a:extLst>
-            <a:ext uri="{909E8E84-426E-40DD-AFC4-6F175D3DCCD1}">
-              <a14:hiddenFill xmlns:a14="http://schemas.microsoft.com/office/drawing/2010/main">
-                <a:solidFill>
-                  <a:srgbClr val="FFFFFF"/>
-                </a:solidFill>
-              </a14:hiddenFill>
-            </a:ext>
-          </a:extLst>
-        </p:spPr>
-        <p:txBody>
-          <a:bodyPr vert="horz" wrap="square" lIns="91440" tIns="45720" rIns="91440" bIns="45720" numCol="1" anchor="t" anchorCtr="0" compatLnSpc="1">
-            <a:prstTxWarp prst="textNoShape">
-              <a:avLst/>
-            </a:prstTxWarp>
-          </a:bodyPr>
-          <a:lstStyle/>
-          <a:p>
-            <a:endParaRPr lang="en-US"/>
-          </a:p>
-        </p:txBody>
-      </p:sp>
-    </p:spTree>
-    <p:extLst>
-      <p:ext uri="{BB962C8B-B14F-4D97-AF65-F5344CB8AC3E}">
-        <p14:creationId xmlns:p14="http://schemas.microsoft.com/office/powerpoint/2010/main" val="4155509574"/>
-      </p:ext>
-    </p:extLst>
-  </p:cSld>
-  <p:clrMapOvr>
-    <a:masterClrMapping/>
-  </p:clrMapOvr>
-  <p:timing>
-    <p:tnLst>
-      <p:par>
-        <p:cTn id="1" dur="indefinite" restart="never" nodeType="tmRoot"/>
-      </p:par>
-    </p:tnLst>
-  </p:timing>
-</p:sld>
-</file>
-
-<file path=ppt/slides/slide6.xml><?xml version="1.0" encoding="utf-8"?>
 <p:sld xmlns:a="http://schemas.openxmlformats.org/drawingml/2006/main" xmlns:r="http://schemas.openxmlformats.org/officeDocument/2006/relationships" xmlns:p="http://schemas.openxmlformats.org/presentationml/2006/main">
   <p:cSld>
     <p:spTree>
@@ -4721,7 +4356,7 @@
         </p:nvSpPr>
         <p:spPr>
           <a:xfrm>
-            <a:off x="228600" y="457200"/>
+            <a:off x="914400" y="457200"/>
             <a:ext cx="9144000" cy="6850063"/>
           </a:xfrm>
           <a:prstGeom prst="rect">
@@ -4729,7 +4364,7 @@
           </a:prstGeom>
           <a:blipFill dpi="0" rotWithShape="1">
             <a:blip r:embed="rId3">
-              <a:alphaModFix amt="20000"/>
+              <a:alphaModFix amt="16000"/>
             </a:blip>
             <a:srcRect/>
             <a:stretch>
@@ -4798,7 +4433,12 @@
             <p:ph sz="half" idx="1"/>
           </p:nvPr>
         </p:nvSpPr>
-        <p:spPr/>
+        <p:spPr>
+          <a:xfrm>
+            <a:off x="1066800" y="1600200"/>
+            <a:ext cx="4038600" cy="4525963"/>
+          </a:xfrm>
+        </p:spPr>
         <p:txBody>
           <a:bodyPr>
             <a:normAutofit fontScale="92500" lnSpcReduction="20000"/>
@@ -4820,13 +4460,10 @@
           <a:p>
             <a:pPr lvl="1"/>
             <a:r>
-              <a:rPr lang="en-US" dirty="0" err="1" smtClean="0"/>
-              <a:t>GoogleMaps</a:t>
-            </a:r>
-            <a:r>
-              <a:rPr lang="en-US" dirty="0" smtClean="0"/>
-              <a:t> </a:t>
-            </a:r>
+              <a:rPr lang="en-US" dirty="0" smtClean="0"/>
+              <a:t>Google Maps </a:t>
+            </a:r>
+            <a:endParaRPr lang="en-US" dirty="0" smtClean="0"/>
           </a:p>
           <a:p>
             <a:pPr lvl="1"/>
@@ -4865,12 +4502,12 @@
           </a:p>
           <a:p>
             <a:r>
-              <a:rPr lang="en-US" dirty="0" err="1" smtClean="0"/>
-              <a:t>Javascript</a:t>
-            </a:r>
-            <a:r>
-              <a:rPr lang="en-US" dirty="0" smtClean="0"/>
-              <a:t> Libraries</a:t>
+              <a:rPr lang="en-US" dirty="0" smtClean="0"/>
+              <a:t>JavaScript </a:t>
+            </a:r>
+            <a:r>
+              <a:rPr lang="en-US" dirty="0" smtClean="0"/>
+              <a:t>Libraries</a:t>
             </a:r>
           </a:p>
           <a:p>
@@ -4951,7 +4588,6 @@
               <a:rPr lang="en-US" dirty="0" smtClean="0"/>
               <a:t>Issue Tracker</a:t>
             </a:r>
-            <a:endParaRPr lang="en-US" dirty="0" smtClean="0"/>
           </a:p>
           <a:p>
             <a:pPr lvl="1"/>
@@ -5093,7 +4729,7 @@
 </p:sld>
 </file>
 
-<file path=ppt/slides/slide7.xml><?xml version="1.0" encoding="utf-8"?>
+<file path=ppt/slides/slide6.xml><?xml version="1.0" encoding="utf-8"?>
 <p:sld xmlns:a="http://schemas.openxmlformats.org/drawingml/2006/main" xmlns:r="http://schemas.openxmlformats.org/officeDocument/2006/relationships" xmlns:p="http://schemas.openxmlformats.org/presentationml/2006/main">
   <p:cSld>
     <p:spTree>
@@ -5281,58 +4917,6 @@
           </a:p>
         </p:txBody>
       </p:sp>
-      <p:sp>
-        <p:nvSpPr>
-          <p:cNvPr id="9" name="Rectangle 8"/>
-          <p:cNvSpPr/>
-          <p:nvPr/>
-        </p:nvSpPr>
-        <p:spPr>
-          <a:xfrm>
-            <a:off x="-7086600" y="159657"/>
-            <a:ext cx="7358743" cy="6858000"/>
-          </a:xfrm>
-          <a:prstGeom prst="rect">
-            <a:avLst/>
-          </a:prstGeom>
-          <a:blipFill dpi="0" rotWithShape="1">
-            <a:blip r:embed="rId4">
-              <a:alphaModFix amt="14000"/>
-            </a:blip>
-            <a:srcRect/>
-            <a:stretch>
-              <a:fillRect/>
-            </a:stretch>
-          </a:blipFill>
-          <a:ln>
-            <a:noFill/>
-          </a:ln>
-        </p:spPr>
-        <p:style>
-          <a:lnRef idx="2">
-            <a:schemeClr val="accent1">
-              <a:shade val="50000"/>
-            </a:schemeClr>
-          </a:lnRef>
-          <a:fillRef idx="1">
-            <a:schemeClr val="accent1"/>
-          </a:fillRef>
-          <a:effectRef idx="0">
-            <a:schemeClr val="accent1"/>
-          </a:effectRef>
-          <a:fontRef idx="minor">
-            <a:schemeClr val="lt1"/>
-          </a:fontRef>
-        </p:style>
-        <p:txBody>
-          <a:bodyPr rtlCol="0" anchor="ctr"/>
-          <a:lstStyle/>
-          <a:p>
-            <a:pPr algn="ctr"/>
-            <a:endParaRPr lang="en-US"/>
-          </a:p>
-        </p:txBody>
-      </p:sp>
     </p:spTree>
     <p:extLst>
       <p:ext uri="{BB962C8B-B14F-4D97-AF65-F5344CB8AC3E}">
@@ -5353,7 +4937,7 @@
 </p:sld>
 </file>
 
-<file path=ppt/slides/slide8.xml><?xml version="1.0" encoding="utf-8"?>
+<file path=ppt/slides/slide7.xml><?xml version="1.0" encoding="utf-8"?>
 <p:sld xmlns:a="http://schemas.openxmlformats.org/drawingml/2006/main" xmlns:r="http://schemas.openxmlformats.org/officeDocument/2006/relationships" xmlns:p="http://schemas.openxmlformats.org/presentationml/2006/main">
   <p:cSld>
     <p:spTree>
@@ -5394,7 +4978,7 @@
         <p:spPr bwMode="auto">
           <a:xfrm>
             <a:off x="-43542" y="1"/>
-            <a:ext cx="9143999" cy="6857999"/>
+            <a:ext cx="9187542" cy="6857999"/>
           </a:xfrm>
           <a:prstGeom prst="rect">
             <a:avLst/>
@@ -5448,7 +5032,9 @@
         </p:nvSpPr>
         <p:spPr/>
         <p:txBody>
-          <a:bodyPr/>
+          <a:bodyPr>
+            <a:normAutofit/>
+          </a:bodyPr>
           <a:lstStyle/>
           <a:p>
             <a:r>
@@ -5471,17 +5057,29 @@
           <a:p>
             <a:r>
               <a:rPr lang="en-US" dirty="0" smtClean="0"/>
-              <a:t>Add additional APIs for events other than Ticketmaster</a:t>
-            </a:r>
+              <a:t>Add additional APIs for events other than </a:t>
+            </a:r>
+            <a:r>
+              <a:rPr lang="en-US" dirty="0" smtClean="0"/>
+              <a:t>Ticketmaster</a:t>
+            </a:r>
+          </a:p>
+          <a:p>
+            <a:r>
+              <a:rPr lang="en-US" dirty="0"/>
+              <a:t>Add map functionality on mobile </a:t>
+            </a:r>
+            <a:r>
+              <a:rPr lang="en-US" dirty="0" smtClean="0"/>
+              <a:t>devices</a:t>
+            </a:r>
+            <a:endParaRPr lang="en-US" dirty="0" smtClean="0"/>
           </a:p>
           <a:p>
             <a:r>
               <a:rPr lang="en-US" dirty="0" smtClean="0"/>
               <a:t>Refactor code to reflect more mobile responsive styling consistency using classes </a:t>
             </a:r>
-          </a:p>
-          <a:p>
-            <a:endParaRPr lang="en-US" dirty="0"/>
           </a:p>
         </p:txBody>
       </p:sp>
@@ -5501,58 +5099,6 @@
           </a:prstGeom>
           <a:blipFill dpi="0" rotWithShape="1">
             <a:blip r:embed="rId3">
-              <a:alphaModFix amt="17000"/>
-            </a:blip>
-            <a:srcRect/>
-            <a:stretch>
-              <a:fillRect l="10000" t="10000" r="10000" b="10000"/>
-            </a:stretch>
-          </a:blipFill>
-          <a:ln>
-            <a:noFill/>
-          </a:ln>
-        </p:spPr>
-        <p:style>
-          <a:lnRef idx="2">
-            <a:schemeClr val="accent1">
-              <a:shade val="50000"/>
-            </a:schemeClr>
-          </a:lnRef>
-          <a:fillRef idx="1">
-            <a:schemeClr val="accent1"/>
-          </a:fillRef>
-          <a:effectRef idx="0">
-            <a:schemeClr val="accent1"/>
-          </a:effectRef>
-          <a:fontRef idx="minor">
-            <a:schemeClr val="lt1"/>
-          </a:fontRef>
-        </p:style>
-        <p:txBody>
-          <a:bodyPr rtlCol="0" anchor="ctr"/>
-          <a:lstStyle/>
-          <a:p>
-            <a:pPr algn="ctr"/>
-            <a:endParaRPr lang="en-US"/>
-          </a:p>
-        </p:txBody>
-      </p:sp>
-      <p:sp>
-        <p:nvSpPr>
-          <p:cNvPr id="6" name="Rectangle 5"/>
-          <p:cNvSpPr/>
-          <p:nvPr/>
-        </p:nvSpPr>
-        <p:spPr>
-          <a:xfrm>
-            <a:off x="-8153400" y="-685800"/>
-            <a:ext cx="8857343" cy="7270748"/>
-          </a:xfrm>
-          <a:prstGeom prst="rect">
-            <a:avLst/>
-          </a:prstGeom>
-          <a:blipFill dpi="0" rotWithShape="1">
-            <a:blip r:embed="rId4">
               <a:alphaModFix amt="17000"/>
             </a:blip>
             <a:srcRect/>
